--- a/Presentation.pptx
+++ b/Presentation.pptx
@@ -113,6 +113,22 @@
       </a:defRPr>
     </a:lvl9pPr>
   </p:defaultTextStyle>
+  <p:extLst>
+    <p:ext uri="{EFAFB233-063F-42B5-8137-9DF3F51BA10A}">
+      <p15:sldGuideLst xmlns:p15="http://schemas.microsoft.com/office/powerpoint/2012/main">
+        <p15:guide id="1" orient="horz" pos="1620">
+          <p15:clr>
+            <a:srgbClr val="A4A3A4"/>
+          </p15:clr>
+        </p15:guide>
+        <p15:guide id="2" pos="2880">
+          <p15:clr>
+            <a:srgbClr val="A4A3A4"/>
+          </p15:clr>
+        </p15:guide>
+      </p15:sldGuideLst>
+    </p:ext>
+  </p:extLst>
 </p:presentation>
 </file>
 
@@ -4166,7 +4182,11 @@
             </a:r>
             <a:r>
               <a:rPr lang="en-US" dirty="0" smtClean="0"/>
-              <a:t> Final Project</a:t>
+              <a:t> </a:t>
+            </a:r>
+            <a:r>
+              <a:rPr lang="en-US" dirty="0" smtClean="0"/>
+              <a:t>Project</a:t>
             </a:r>
             <a:endParaRPr lang="ru-RU" dirty="0"/>
           </a:p>
@@ -5278,6 +5298,324 @@
           </a:p>
         </p:txBody>
       </p:sp>
+      <p:sp>
+        <p:nvSpPr>
+          <p:cNvPr id="4" name="Содержимое 2"/>
+          <p:cNvSpPr txBox="1">
+            <a:spLocks/>
+          </p:cNvSpPr>
+          <p:nvPr/>
+        </p:nvSpPr>
+        <p:spPr>
+          <a:xfrm>
+            <a:off x="457200" y="1563638"/>
+            <a:ext cx="4038600" cy="3394472"/>
+          </a:xfrm>
+          <a:prstGeom prst="rect">
+            <a:avLst/>
+          </a:prstGeom>
+        </p:spPr>
+        <p:txBody>
+          <a:bodyPr/>
+          <a:lstStyle>
+            <a:lvl1pPr marL="365760" indent="-256032" algn="l" rtl="0" eaLnBrk="1" latinLnBrk="0" hangingPunct="1">
+              <a:spcBef>
+                <a:spcPts val="300"/>
+              </a:spcBef>
+              <a:buClr>
+                <a:schemeClr val="accent3"/>
+              </a:buClr>
+              <a:buFont typeface="Georgia"/>
+              <a:buChar char="•"/>
+              <a:defRPr kumimoji="0" sz="2800" kern="1200">
+                <a:solidFill>
+                  <a:schemeClr val="tx1"/>
+                </a:solidFill>
+                <a:latin typeface="+mn-lt"/>
+                <a:ea typeface="+mn-ea"/>
+                <a:cs typeface="+mn-cs"/>
+              </a:defRPr>
+            </a:lvl1pPr>
+            <a:lvl2pPr marL="658368" indent="-246888" algn="l" rtl="0" eaLnBrk="1" latinLnBrk="0" hangingPunct="1">
+              <a:spcBef>
+                <a:spcPts val="300"/>
+              </a:spcBef>
+              <a:buClr>
+                <a:schemeClr val="accent2"/>
+              </a:buClr>
+              <a:buFont typeface="Georgia"/>
+              <a:buChar char="▫"/>
+              <a:defRPr kumimoji="0" sz="2600" kern="1200">
+                <a:solidFill>
+                  <a:schemeClr val="accent2"/>
+                </a:solidFill>
+                <a:latin typeface="+mn-lt"/>
+                <a:ea typeface="+mn-ea"/>
+                <a:cs typeface="+mn-cs"/>
+              </a:defRPr>
+            </a:lvl2pPr>
+            <a:lvl3pPr marL="923544" indent="-219456" algn="l" rtl="0" eaLnBrk="1" latinLnBrk="0" hangingPunct="1">
+              <a:spcBef>
+                <a:spcPts val="300"/>
+              </a:spcBef>
+              <a:buClr>
+                <a:schemeClr val="accent1"/>
+              </a:buClr>
+              <a:buFont typeface="Wingdings 2"/>
+              <a:buChar char=""/>
+              <a:defRPr kumimoji="0" sz="2400" kern="1200">
+                <a:solidFill>
+                  <a:schemeClr val="accent1"/>
+                </a:solidFill>
+                <a:latin typeface="+mn-lt"/>
+                <a:ea typeface="+mn-ea"/>
+                <a:cs typeface="+mn-cs"/>
+              </a:defRPr>
+            </a:lvl3pPr>
+            <a:lvl4pPr marL="1179576" indent="-201168" algn="l" rtl="0" eaLnBrk="1" latinLnBrk="0" hangingPunct="1">
+              <a:spcBef>
+                <a:spcPts val="300"/>
+              </a:spcBef>
+              <a:buClr>
+                <a:schemeClr val="accent1"/>
+              </a:buClr>
+              <a:buFont typeface="Wingdings 2"/>
+              <a:buChar char=""/>
+              <a:defRPr kumimoji="0" sz="2200" kern="1200">
+                <a:solidFill>
+                  <a:schemeClr val="accent1"/>
+                </a:solidFill>
+                <a:latin typeface="+mn-lt"/>
+                <a:ea typeface="+mn-ea"/>
+                <a:cs typeface="+mn-cs"/>
+              </a:defRPr>
+            </a:lvl4pPr>
+            <a:lvl5pPr marL="1389888" indent="-182880" algn="l" rtl="0" eaLnBrk="1" latinLnBrk="0" hangingPunct="1">
+              <a:spcBef>
+                <a:spcPts val="300"/>
+              </a:spcBef>
+              <a:buClr>
+                <a:schemeClr val="accent3"/>
+              </a:buClr>
+              <a:buFont typeface="Georgia"/>
+              <a:buChar char="▫"/>
+              <a:defRPr kumimoji="0" sz="2000" kern="1200">
+                <a:solidFill>
+                  <a:schemeClr val="accent3"/>
+                </a:solidFill>
+                <a:latin typeface="+mn-lt"/>
+                <a:ea typeface="+mn-ea"/>
+                <a:cs typeface="+mn-cs"/>
+              </a:defRPr>
+            </a:lvl5pPr>
+            <a:lvl6pPr marL="1609344" indent="-182880" algn="l" rtl="0" eaLnBrk="1" latinLnBrk="0" hangingPunct="1">
+              <a:spcBef>
+                <a:spcPts val="300"/>
+              </a:spcBef>
+              <a:buClr>
+                <a:schemeClr val="accent3"/>
+              </a:buClr>
+              <a:buFont typeface="Georgia"/>
+              <a:buChar char="▫"/>
+              <a:defRPr kumimoji="0" sz="1800" kern="1200">
+                <a:solidFill>
+                  <a:schemeClr val="accent3"/>
+                </a:solidFill>
+                <a:latin typeface="+mn-lt"/>
+                <a:ea typeface="+mn-ea"/>
+                <a:cs typeface="+mn-cs"/>
+              </a:defRPr>
+            </a:lvl6pPr>
+            <a:lvl7pPr marL="1828800" indent="-182880" algn="l" rtl="0" eaLnBrk="1" latinLnBrk="0" hangingPunct="1">
+              <a:spcBef>
+                <a:spcPts val="300"/>
+              </a:spcBef>
+              <a:buClr>
+                <a:schemeClr val="accent3"/>
+              </a:buClr>
+              <a:buFont typeface="Georgia"/>
+              <a:buChar char="▫"/>
+              <a:defRPr kumimoji="0" sz="1600" kern="1200">
+                <a:solidFill>
+                  <a:schemeClr val="accent3"/>
+                </a:solidFill>
+                <a:latin typeface="+mn-lt"/>
+                <a:ea typeface="+mn-ea"/>
+                <a:cs typeface="+mn-cs"/>
+              </a:defRPr>
+            </a:lvl7pPr>
+            <a:lvl8pPr marL="2029968" indent="-182880" algn="l" rtl="0" eaLnBrk="1" latinLnBrk="0" hangingPunct="1">
+              <a:spcBef>
+                <a:spcPts val="300"/>
+              </a:spcBef>
+              <a:buClr>
+                <a:schemeClr val="accent3"/>
+              </a:buClr>
+              <a:buFont typeface="Georgia"/>
+              <a:buChar char="◦"/>
+              <a:defRPr kumimoji="0" sz="1500" kern="1200">
+                <a:solidFill>
+                  <a:schemeClr val="accent3"/>
+                </a:solidFill>
+                <a:latin typeface="+mn-lt"/>
+                <a:ea typeface="+mn-ea"/>
+                <a:cs typeface="+mn-cs"/>
+              </a:defRPr>
+            </a:lvl8pPr>
+            <a:lvl9pPr marL="2240280" indent="-182880" algn="l" rtl="0" eaLnBrk="1" latinLnBrk="0" hangingPunct="1">
+              <a:spcBef>
+                <a:spcPts val="300"/>
+              </a:spcBef>
+              <a:buClr>
+                <a:schemeClr val="accent3"/>
+              </a:buClr>
+              <a:buFont typeface="Georgia"/>
+              <a:buChar char="◦"/>
+              <a:defRPr kumimoji="0" sz="1400" kern="1200" baseline="0">
+                <a:solidFill>
+                  <a:schemeClr val="accent3"/>
+                </a:solidFill>
+                <a:latin typeface="+mn-lt"/>
+                <a:ea typeface="+mn-ea"/>
+                <a:cs typeface="+mn-cs"/>
+              </a:defRPr>
+            </a:lvl9pPr>
+          </a:lstStyle>
+          <a:p>
+            <a:r>
+              <a:rPr lang="ru-RU" sz="2000" dirty="0" smtClean="0"/>
+              <a:t>Задача</a:t>
+            </a:r>
+            <a:r>
+              <a:rPr lang="en-US" sz="2000" dirty="0" smtClean="0"/>
+              <a:t>: </a:t>
+            </a:r>
+            <a:r>
+              <a:rPr lang="ru-RU" sz="2000" dirty="0" smtClean="0"/>
+              <a:t>Используя </a:t>
+            </a:r>
+            <a:r>
+              <a:rPr lang="en-US" sz="2000" dirty="0"/>
+              <a:t>pinhole camera </a:t>
+            </a:r>
+            <a:r>
+              <a:rPr lang="en-US" sz="2000" dirty="0" smtClean="0"/>
+              <a:t>model,</a:t>
+            </a:r>
+            <a:r>
+              <a:rPr lang="ru-RU" sz="2000" dirty="0" smtClean="0"/>
+              <a:t> </a:t>
+            </a:r>
+            <a:r>
+              <a:rPr lang="ru-RU" sz="2000" dirty="0"/>
+              <a:t>н</a:t>
+            </a:r>
+            <a:r>
+              <a:rPr lang="ru-RU" sz="2000" dirty="0" smtClean="0"/>
+              <a:t>айти координаты камеры относительно </a:t>
+            </a:r>
+            <a:r>
+              <a:rPr lang="en-US" sz="2000" dirty="0" smtClean="0"/>
+              <a:t>QR </a:t>
+            </a:r>
+            <a:r>
+              <a:rPr lang="ru-RU" sz="2000" dirty="0" smtClean="0"/>
+              <a:t>кода в мировой системе координат.</a:t>
+            </a:r>
+          </a:p>
+          <a:p>
+            <a:r>
+              <a:rPr lang="ru-RU" sz="2000" dirty="0" smtClean="0"/>
+              <a:t>Результат</a:t>
+            </a:r>
+            <a:r>
+              <a:rPr lang="en-US" sz="2000" dirty="0" smtClean="0"/>
+              <a:t>:</a:t>
+            </a:r>
+            <a:r>
+              <a:rPr lang="en-US" sz="2000" dirty="0"/>
+              <a:t> </a:t>
+            </a:r>
+            <a:r>
+              <a:rPr lang="ru-RU" sz="2000" dirty="0" smtClean="0"/>
+              <a:t>Координаты камеры в пространстве</a:t>
+            </a:r>
+            <a:endParaRPr lang="en-US" dirty="0" smtClean="0"/>
+          </a:p>
+        </p:txBody>
+      </p:sp>
+      <p:pic>
+        <p:nvPicPr>
+          <p:cNvPr id="5" name="Рисунок 4"/>
+          <p:cNvPicPr>
+            <a:picLocks noChangeAspect="1"/>
+          </p:cNvPicPr>
+          <p:nvPr/>
+        </p:nvPicPr>
+        <p:blipFill>
+          <a:blip r:embed="rId2"/>
+          <a:stretch>
+            <a:fillRect/>
+          </a:stretch>
+        </p:blipFill>
+        <p:spPr>
+          <a:xfrm>
+            <a:off x="4644008" y="3683054"/>
+            <a:ext cx="4334480" cy="1038370"/>
+          </a:xfrm>
+          <a:prstGeom prst="rect">
+            <a:avLst/>
+          </a:prstGeom>
+        </p:spPr>
+      </p:pic>
+      <p:pic>
+        <p:nvPicPr>
+          <p:cNvPr id="7" name="Рисунок 6"/>
+          <p:cNvPicPr>
+            <a:picLocks noChangeAspect="1"/>
+          </p:cNvPicPr>
+          <p:nvPr/>
+        </p:nvPicPr>
+        <p:blipFill>
+          <a:blip r:embed="rId3"/>
+          <a:stretch>
+            <a:fillRect/>
+          </a:stretch>
+        </p:blipFill>
+        <p:spPr>
+          <a:xfrm>
+            <a:off x="4651152" y="1457157"/>
+            <a:ext cx="3132287" cy="2205575"/>
+          </a:xfrm>
+          <a:prstGeom prst="rect">
+            <a:avLst/>
+          </a:prstGeom>
+        </p:spPr>
+      </p:pic>
+      <p:pic>
+        <p:nvPicPr>
+          <p:cNvPr id="8" name="Рисунок 7"/>
+          <p:cNvPicPr>
+            <a:picLocks noChangeAspect="1"/>
+          </p:cNvPicPr>
+          <p:nvPr/>
+        </p:nvPicPr>
+        <p:blipFill>
+          <a:blip r:embed="rId4"/>
+          <a:stretch>
+            <a:fillRect/>
+          </a:stretch>
+        </p:blipFill>
+        <p:spPr>
+          <a:xfrm>
+            <a:off x="1253309" y="3939902"/>
+            <a:ext cx="1754710" cy="966746"/>
+          </a:xfrm>
+          <a:prstGeom prst="rect">
+            <a:avLst/>
+          </a:prstGeom>
+        </p:spPr>
+      </p:pic>
     </p:spTree>
   </p:cSld>
   <p:clrMapOvr>
@@ -5333,11 +5671,285 @@
           </a:p>
         </p:txBody>
       </p:sp>
+      <p:sp>
+        <p:nvSpPr>
+          <p:cNvPr id="6" name="Содержимое 2"/>
+          <p:cNvSpPr txBox="1">
+            <a:spLocks/>
+          </p:cNvSpPr>
+          <p:nvPr/>
+        </p:nvSpPr>
+        <p:spPr>
+          <a:xfrm>
+            <a:off x="457200" y="1563638"/>
+            <a:ext cx="4038600" cy="3394472"/>
+          </a:xfrm>
+          <a:prstGeom prst="rect">
+            <a:avLst/>
+          </a:prstGeom>
+        </p:spPr>
+        <p:txBody>
+          <a:bodyPr/>
+          <a:lstStyle>
+            <a:lvl1pPr marL="365760" indent="-256032" algn="l" rtl="0" eaLnBrk="1" latinLnBrk="0" hangingPunct="1">
+              <a:spcBef>
+                <a:spcPts val="300"/>
+              </a:spcBef>
+              <a:buClr>
+                <a:schemeClr val="accent3"/>
+              </a:buClr>
+              <a:buFont typeface="Georgia"/>
+              <a:buChar char="•"/>
+              <a:defRPr kumimoji="0" sz="2800" kern="1200">
+                <a:solidFill>
+                  <a:schemeClr val="tx1"/>
+                </a:solidFill>
+                <a:latin typeface="+mn-lt"/>
+                <a:ea typeface="+mn-ea"/>
+                <a:cs typeface="+mn-cs"/>
+              </a:defRPr>
+            </a:lvl1pPr>
+            <a:lvl2pPr marL="658368" indent="-246888" algn="l" rtl="0" eaLnBrk="1" latinLnBrk="0" hangingPunct="1">
+              <a:spcBef>
+                <a:spcPts val="300"/>
+              </a:spcBef>
+              <a:buClr>
+                <a:schemeClr val="accent2"/>
+              </a:buClr>
+              <a:buFont typeface="Georgia"/>
+              <a:buChar char="▫"/>
+              <a:defRPr kumimoji="0" sz="2600" kern="1200">
+                <a:solidFill>
+                  <a:schemeClr val="accent2"/>
+                </a:solidFill>
+                <a:latin typeface="+mn-lt"/>
+                <a:ea typeface="+mn-ea"/>
+                <a:cs typeface="+mn-cs"/>
+              </a:defRPr>
+            </a:lvl2pPr>
+            <a:lvl3pPr marL="923544" indent="-219456" algn="l" rtl="0" eaLnBrk="1" latinLnBrk="0" hangingPunct="1">
+              <a:spcBef>
+                <a:spcPts val="300"/>
+              </a:spcBef>
+              <a:buClr>
+                <a:schemeClr val="accent1"/>
+              </a:buClr>
+              <a:buFont typeface="Wingdings 2"/>
+              <a:buChar char=""/>
+              <a:defRPr kumimoji="0" sz="2400" kern="1200">
+                <a:solidFill>
+                  <a:schemeClr val="accent1"/>
+                </a:solidFill>
+                <a:latin typeface="+mn-lt"/>
+                <a:ea typeface="+mn-ea"/>
+                <a:cs typeface="+mn-cs"/>
+              </a:defRPr>
+            </a:lvl3pPr>
+            <a:lvl4pPr marL="1179576" indent="-201168" algn="l" rtl="0" eaLnBrk="1" latinLnBrk="0" hangingPunct="1">
+              <a:spcBef>
+                <a:spcPts val="300"/>
+              </a:spcBef>
+              <a:buClr>
+                <a:schemeClr val="accent1"/>
+              </a:buClr>
+              <a:buFont typeface="Wingdings 2"/>
+              <a:buChar char=""/>
+              <a:defRPr kumimoji="0" sz="2200" kern="1200">
+                <a:solidFill>
+                  <a:schemeClr val="accent1"/>
+                </a:solidFill>
+                <a:latin typeface="+mn-lt"/>
+                <a:ea typeface="+mn-ea"/>
+                <a:cs typeface="+mn-cs"/>
+              </a:defRPr>
+            </a:lvl4pPr>
+            <a:lvl5pPr marL="1389888" indent="-182880" algn="l" rtl="0" eaLnBrk="1" latinLnBrk="0" hangingPunct="1">
+              <a:spcBef>
+                <a:spcPts val="300"/>
+              </a:spcBef>
+              <a:buClr>
+                <a:schemeClr val="accent3"/>
+              </a:buClr>
+              <a:buFont typeface="Georgia"/>
+              <a:buChar char="▫"/>
+              <a:defRPr kumimoji="0" sz="2000" kern="1200">
+                <a:solidFill>
+                  <a:schemeClr val="accent3"/>
+                </a:solidFill>
+                <a:latin typeface="+mn-lt"/>
+                <a:ea typeface="+mn-ea"/>
+                <a:cs typeface="+mn-cs"/>
+              </a:defRPr>
+            </a:lvl5pPr>
+            <a:lvl6pPr marL="1609344" indent="-182880" algn="l" rtl="0" eaLnBrk="1" latinLnBrk="0" hangingPunct="1">
+              <a:spcBef>
+                <a:spcPts val="300"/>
+              </a:spcBef>
+              <a:buClr>
+                <a:schemeClr val="accent3"/>
+              </a:buClr>
+              <a:buFont typeface="Georgia"/>
+              <a:buChar char="▫"/>
+              <a:defRPr kumimoji="0" sz="1800" kern="1200">
+                <a:solidFill>
+                  <a:schemeClr val="accent3"/>
+                </a:solidFill>
+                <a:latin typeface="+mn-lt"/>
+                <a:ea typeface="+mn-ea"/>
+                <a:cs typeface="+mn-cs"/>
+              </a:defRPr>
+            </a:lvl6pPr>
+            <a:lvl7pPr marL="1828800" indent="-182880" algn="l" rtl="0" eaLnBrk="1" latinLnBrk="0" hangingPunct="1">
+              <a:spcBef>
+                <a:spcPts val="300"/>
+              </a:spcBef>
+              <a:buClr>
+                <a:schemeClr val="accent3"/>
+              </a:buClr>
+              <a:buFont typeface="Georgia"/>
+              <a:buChar char="▫"/>
+              <a:defRPr kumimoji="0" sz="1600" kern="1200">
+                <a:solidFill>
+                  <a:schemeClr val="accent3"/>
+                </a:solidFill>
+                <a:latin typeface="+mn-lt"/>
+                <a:ea typeface="+mn-ea"/>
+                <a:cs typeface="+mn-cs"/>
+              </a:defRPr>
+            </a:lvl7pPr>
+            <a:lvl8pPr marL="2029968" indent="-182880" algn="l" rtl="0" eaLnBrk="1" latinLnBrk="0" hangingPunct="1">
+              <a:spcBef>
+                <a:spcPts val="300"/>
+              </a:spcBef>
+              <a:buClr>
+                <a:schemeClr val="accent3"/>
+              </a:buClr>
+              <a:buFont typeface="Georgia"/>
+              <a:buChar char="◦"/>
+              <a:defRPr kumimoji="0" sz="1500" kern="1200">
+                <a:solidFill>
+                  <a:schemeClr val="accent3"/>
+                </a:solidFill>
+                <a:latin typeface="+mn-lt"/>
+                <a:ea typeface="+mn-ea"/>
+                <a:cs typeface="+mn-cs"/>
+              </a:defRPr>
+            </a:lvl8pPr>
+            <a:lvl9pPr marL="2240280" indent="-182880" algn="l" rtl="0" eaLnBrk="1" latinLnBrk="0" hangingPunct="1">
+              <a:spcBef>
+                <a:spcPts val="300"/>
+              </a:spcBef>
+              <a:buClr>
+                <a:schemeClr val="accent3"/>
+              </a:buClr>
+              <a:buFont typeface="Georgia"/>
+              <a:buChar char="◦"/>
+              <a:defRPr kumimoji="0" sz="1400" kern="1200" baseline="0">
+                <a:solidFill>
+                  <a:schemeClr val="accent3"/>
+                </a:solidFill>
+                <a:latin typeface="+mn-lt"/>
+                <a:ea typeface="+mn-ea"/>
+                <a:cs typeface="+mn-cs"/>
+              </a:defRPr>
+            </a:lvl9pPr>
+          </a:lstStyle>
+          <a:p>
+            <a:r>
+              <a:rPr lang="ru-RU" sz="2000" dirty="0" smtClean="0"/>
+              <a:t>Задача</a:t>
+            </a:r>
+            <a:r>
+              <a:rPr lang="en-US" sz="2000" dirty="0" smtClean="0"/>
+              <a:t>: </a:t>
+            </a:r>
+            <a:r>
+              <a:rPr lang="ru-RU" sz="2000" dirty="0" smtClean="0"/>
+              <a:t>Отобразить полученные координаты камеры и </a:t>
+            </a:r>
+            <a:r>
+              <a:rPr lang="en-US" sz="2000" dirty="0" smtClean="0"/>
+              <a:t>QR </a:t>
+            </a:r>
+            <a:r>
+              <a:rPr lang="ru-RU" sz="2000" dirty="0" smtClean="0"/>
+              <a:t>кода на плоскость и </a:t>
+            </a:r>
+            <a:r>
+              <a:rPr lang="ru-RU" sz="2000" dirty="0" err="1" smtClean="0"/>
+              <a:t>отрисовать</a:t>
+            </a:r>
+            <a:r>
+              <a:rPr lang="ru-RU" sz="2000" dirty="0" smtClean="0"/>
+              <a:t> траекторию движения камеры.</a:t>
+            </a:r>
+          </a:p>
+          <a:p>
+            <a:r>
+              <a:rPr lang="ru-RU" sz="2000" dirty="0" smtClean="0"/>
+              <a:t>Результат</a:t>
+            </a:r>
+            <a:r>
+              <a:rPr lang="en-US" sz="2000" dirty="0" smtClean="0"/>
+              <a:t>: </a:t>
+            </a:r>
+            <a:r>
+              <a:rPr lang="ru-RU" sz="2000" dirty="0" smtClean="0"/>
+              <a:t>Получено изображение плоскости с траекторией камеры относительно </a:t>
+            </a:r>
+            <a:r>
+              <a:rPr lang="en-US" sz="2000" dirty="0" smtClean="0"/>
+              <a:t>QR </a:t>
+            </a:r>
+            <a:r>
+              <a:rPr lang="ru-RU" sz="2000" dirty="0" smtClean="0"/>
+              <a:t>кода </a:t>
+            </a:r>
+          </a:p>
+          <a:p>
+            <a:endParaRPr lang="ru-RU" sz="2000" dirty="0" smtClean="0"/>
+          </a:p>
+          <a:p>
+            <a:endParaRPr lang="ru-RU" dirty="0"/>
+          </a:p>
+        </p:txBody>
+      </p:sp>
+      <p:pic>
+        <p:nvPicPr>
+          <p:cNvPr id="8" name="Рисунок 7"/>
+          <p:cNvPicPr>
+            <a:picLocks noChangeAspect="1"/>
+          </p:cNvPicPr>
+          <p:nvPr/>
+        </p:nvPicPr>
+        <p:blipFill>
+          <a:blip r:embed="rId2"/>
+          <a:stretch>
+            <a:fillRect/>
+          </a:stretch>
+        </p:blipFill>
+        <p:spPr>
+          <a:xfrm>
+            <a:off x="4788024" y="1675586"/>
+            <a:ext cx="2921899" cy="3024336"/>
+          </a:xfrm>
+          <a:prstGeom prst="rect">
+            <a:avLst/>
+          </a:prstGeom>
+        </p:spPr>
+      </p:pic>
     </p:spTree>
   </p:cSld>
   <p:clrMapOvr>
     <a:masterClrMapping/>
   </p:clrMapOvr>
+  <p:timing>
+    <p:tnLst>
+      <p:par>
+        <p:cTn id="1" dur="indefinite" restart="never" nodeType="tmRoot"/>
+      </p:par>
+    </p:tnLst>
+  </p:timing>
 </p:sld>
 </file>
 
@@ -5568,37 +6180,68 @@
         </p:nvSpPr>
         <p:spPr/>
         <p:txBody>
-          <a:bodyPr/>
-          <a:lstStyle/>
-          <a:p>
-            <a:r>
-              <a:rPr lang="ru-RU" dirty="0" smtClean="0"/>
+          <a:bodyPr>
+            <a:normAutofit/>
+          </a:bodyPr>
+          <a:lstStyle/>
+          <a:p>
+            <a:r>
+              <a:rPr lang="ru-RU" sz="2400" dirty="0" smtClean="0"/>
               <a:t>В результате выполнения работы был получен опыт работы с </a:t>
             </a:r>
             <a:r>
-              <a:rPr lang="en-US" dirty="0" smtClean="0"/>
+              <a:rPr lang="en-US" sz="2400" dirty="0" smtClean="0"/>
               <a:t>Linux</a:t>
             </a:r>
             <a:r>
-              <a:rPr lang="ru-RU" dirty="0" smtClean="0"/>
+              <a:rPr lang="ru-RU" sz="2400" dirty="0" smtClean="0"/>
               <a:t>, языком С++, в частности с библиотекой </a:t>
             </a:r>
             <a:r>
-              <a:rPr lang="en-US" dirty="0" err="1" smtClean="0"/>
+              <a:rPr lang="en-US" sz="2400" dirty="0" err="1" smtClean="0"/>
               <a:t>openCV</a:t>
             </a:r>
             <a:r>
-              <a:rPr lang="en-US" dirty="0" smtClean="0"/>
+              <a:rPr lang="en-US" sz="2400" dirty="0" smtClean="0"/>
               <a:t>.</a:t>
             </a:r>
-            <a:endParaRPr lang="ru-RU" dirty="0" smtClean="0"/>
-          </a:p>
-          <a:p>
-            <a:r>
-              <a:rPr lang="ru-RU" dirty="0" smtClean="0"/>
+            <a:endParaRPr lang="ru-RU" sz="2400" dirty="0" smtClean="0"/>
+          </a:p>
+          <a:p>
+            <a:r>
+              <a:rPr lang="ru-RU" sz="2400" dirty="0" smtClean="0"/>
               <a:t>Были изучены алгоритмы обработки изображения и получены навыки работы с видеоизображением. </a:t>
             </a:r>
-            <a:endParaRPr lang="ru-RU" dirty="0"/>
+            <a:endParaRPr lang="en-US" sz="2400" dirty="0" smtClean="0"/>
+          </a:p>
+          <a:p>
+            <a:r>
+              <a:rPr lang="ru-RU" sz="2400" dirty="0" smtClean="0"/>
+              <a:t>Ссылка на </a:t>
+            </a:r>
+            <a:r>
+              <a:rPr lang="en-US" sz="2400" dirty="0" err="1" smtClean="0"/>
+              <a:t>git</a:t>
+            </a:r>
+            <a:r>
+              <a:rPr lang="en-US" sz="2400" dirty="0" smtClean="0"/>
+              <a:t> </a:t>
+            </a:r>
+            <a:r>
+              <a:rPr lang="ru-RU" sz="2400" dirty="0" err="1" smtClean="0"/>
+              <a:t>репозиторий</a:t>
+            </a:r>
+            <a:r>
+              <a:rPr lang="en-US" sz="2400" dirty="0"/>
+              <a:t>: </a:t>
+            </a:r>
+            <a:r>
+              <a:rPr lang="en-US" sz="2400" dirty="0" smtClean="0">
+                <a:hlinkClick r:id="rId2"/>
+              </a:rPr>
+              <a:t>https://github.com/Dm1tryS1/RTSoft-project</a:t>
+            </a:r>
+            <a:endParaRPr lang="en-US" sz="2400" dirty="0" smtClean="0"/>
           </a:p>
         </p:txBody>
       </p:sp>
@@ -5611,7 +6254,7 @@
           <p:nvPr/>
         </p:nvPicPr>
         <p:blipFill>
-          <a:blip r:embed="rId2" cstate="print"/>
+          <a:blip r:embed="rId3" cstate="print"/>
           <a:stretch>
             <a:fillRect/>
           </a:stretch>
